--- a/documentation/hspc-2016-01-20.pptx
+++ b/documentation/hspc-2016-01-20.pptx
@@ -279,7 +279,7 @@
               <a:pPr>
                 <a:defRPr/>
               </a:pPr>
-              <a:t>1/20/16</a:t>
+              <a:t>8/12/16</a:t>
             </a:fld>
             <a:endParaRPr lang="en-US"/>
           </a:p>
@@ -943,7 +943,7 @@
               <ma14:placeholderFlag xmlns:ma14="http://schemas.microsoft.com/office/mac/drawingml/2011/main" val="1"/>
             </a:ext>
             <a:ext uri="{909E8E84-426E-40dd-AFC4-6F175D3DCCD1}">
-              <a14:hiddenFill xmlns:a14="http://schemas.microsoft.com/office/drawing/2010/main" xmlns="">
+              <a14:hiddenFill xmlns="" xmlns:a14="http://schemas.microsoft.com/office/drawing/2010/main">
                 <a:solidFill>
                   <a:srgbClr val="FFFFFF"/>
                 </a:solidFill>
@@ -969,14 +969,14 @@
               <ma14:placeholderFlag xmlns:ma14="http://schemas.microsoft.com/office/mac/drawingml/2011/main" val="1"/>
             </a:ext>
             <a:ext uri="{909E8E84-426E-40dd-AFC4-6F175D3DCCD1}">
-              <a14:hiddenFill xmlns:a14="http://schemas.microsoft.com/office/drawing/2010/main" xmlns="">
+              <a14:hiddenFill xmlns="" xmlns:a14="http://schemas.microsoft.com/office/drawing/2010/main">
                 <a:solidFill>
                   <a:srgbClr val="FFFFFF"/>
                 </a:solidFill>
               </a14:hiddenFill>
             </a:ext>
             <a:ext uri="{91240B29-F687-4f45-9708-019B960494DF}">
-              <a14:hiddenLine xmlns:a14="http://schemas.microsoft.com/office/drawing/2010/main" xmlns="" w="9525">
+              <a14:hiddenLine xmlns="" xmlns:a14="http://schemas.microsoft.com/office/drawing/2010/main" w="9525">
                 <a:solidFill>
                   <a:srgbClr val="000000"/>
                 </a:solidFill>
@@ -1085,7 +1085,7 @@
               <ma14:placeholderFlag xmlns:ma14="http://schemas.microsoft.com/office/mac/drawingml/2011/main" val="1"/>
             </a:ext>
             <a:ext uri="{909E8E84-426E-40dd-AFC4-6F175D3DCCD1}">
-              <a14:hiddenFill xmlns:a14="http://schemas.microsoft.com/office/drawing/2010/main" xmlns="">
+              <a14:hiddenFill xmlns="" xmlns:a14="http://schemas.microsoft.com/office/drawing/2010/main">
                 <a:solidFill>
                   <a:srgbClr val="FFFFFF"/>
                 </a:solidFill>
@@ -1111,14 +1111,14 @@
               <ma14:placeholderFlag xmlns:ma14="http://schemas.microsoft.com/office/mac/drawingml/2011/main" val="1"/>
             </a:ext>
             <a:ext uri="{909E8E84-426E-40dd-AFC4-6F175D3DCCD1}">
-              <a14:hiddenFill xmlns:a14="http://schemas.microsoft.com/office/drawing/2010/main" xmlns="">
+              <a14:hiddenFill xmlns="" xmlns:a14="http://schemas.microsoft.com/office/drawing/2010/main">
                 <a:solidFill>
                   <a:srgbClr val="FFFFFF"/>
                 </a:solidFill>
               </a14:hiddenFill>
             </a:ext>
             <a:ext uri="{91240B29-F687-4f45-9708-019B960494DF}">
-              <a14:hiddenLine xmlns:a14="http://schemas.microsoft.com/office/drawing/2010/main" xmlns="" w="9525">
+              <a14:hiddenLine xmlns="" xmlns:a14="http://schemas.microsoft.com/office/drawing/2010/main" w="9525">
                 <a:solidFill>
                   <a:srgbClr val="000000"/>
                 </a:solidFill>
@@ -1376,7 +1376,7 @@
               <a:pPr>
                 <a:defRPr/>
               </a:pPr>
-              <a:t>1/20/16</a:t>
+              <a:t>8/12/16</a:t>
             </a:fld>
             <a:endParaRPr lang="en-US"/>
           </a:p>
@@ -1573,7 +1573,7 @@
               <a:pPr>
                 <a:defRPr/>
               </a:pPr>
-              <a:t>1/20/16</a:t>
+              <a:t>8/12/16</a:t>
             </a:fld>
             <a:endParaRPr lang="en-US"/>
           </a:p>
@@ -1780,7 +1780,7 @@
               <a:pPr>
                 <a:defRPr/>
               </a:pPr>
-              <a:t>1/20/16</a:t>
+              <a:t>8/12/16</a:t>
             </a:fld>
             <a:endParaRPr lang="en-US"/>
           </a:p>
@@ -1977,7 +1977,7 @@
               <a:pPr>
                 <a:defRPr/>
               </a:pPr>
-              <a:t>1/20/16</a:t>
+              <a:t>8/12/16</a:t>
             </a:fld>
             <a:endParaRPr lang="en-US"/>
           </a:p>
@@ -2250,7 +2250,7 @@
               <a:pPr>
                 <a:defRPr/>
               </a:pPr>
-              <a:t>1/20/16</a:t>
+              <a:t>8/12/16</a:t>
             </a:fld>
             <a:endParaRPr lang="en-US"/>
           </a:p>
@@ -2565,7 +2565,7 @@
               <a:pPr>
                 <a:defRPr/>
               </a:pPr>
-              <a:t>1/20/16</a:t>
+              <a:t>8/12/16</a:t>
             </a:fld>
             <a:endParaRPr lang="en-US"/>
           </a:p>
@@ -3014,7 +3014,7 @@
               <a:pPr>
                 <a:defRPr/>
               </a:pPr>
-              <a:t>1/20/16</a:t>
+              <a:t>8/12/16</a:t>
             </a:fld>
             <a:endParaRPr lang="en-US"/>
           </a:p>
@@ -3159,7 +3159,7 @@
               <a:pPr>
                 <a:defRPr/>
               </a:pPr>
-              <a:t>1/20/16</a:t>
+              <a:t>8/12/16</a:t>
             </a:fld>
             <a:endParaRPr lang="en-US"/>
           </a:p>
@@ -3281,7 +3281,7 @@
               <a:pPr>
                 <a:defRPr/>
               </a:pPr>
-              <a:t>1/20/16</a:t>
+              <a:t>8/12/16</a:t>
             </a:fld>
             <a:endParaRPr lang="en-US"/>
           </a:p>
@@ -3585,7 +3585,7 @@
               <a:pPr>
                 <a:defRPr/>
               </a:pPr>
-              <a:t>1/20/16</a:t>
+              <a:t>8/12/16</a:t>
             </a:fld>
             <a:endParaRPr lang="en-US"/>
           </a:p>
@@ -3868,7 +3868,7 @@
               <a:pPr>
                 <a:defRPr/>
               </a:pPr>
-              <a:t>1/20/16</a:t>
+              <a:t>8/12/16</a:t>
             </a:fld>
             <a:endParaRPr lang="en-US"/>
           </a:p>
@@ -4013,14 +4013,14 @@
               <ma14:placeholderFlag xmlns:ma14="http://schemas.microsoft.com/office/mac/drawingml/2011/main" val="1"/>
             </a:ext>
             <a:ext uri="{909E8E84-426E-40dd-AFC4-6F175D3DCCD1}">
-              <a14:hiddenFill xmlns="" xmlns:a14="http://schemas.microsoft.com/office/drawing/2010/main">
+              <a14:hiddenFill xmlns:a14="http://schemas.microsoft.com/office/drawing/2010/main" xmlns="">
                 <a:solidFill>
                   <a:srgbClr val="FFFFFF"/>
                 </a:solidFill>
               </a14:hiddenFill>
             </a:ext>
             <a:ext uri="{91240B29-F687-4f45-9708-019B960494DF}">
-              <a14:hiddenLine xmlns="" xmlns:a14="http://schemas.microsoft.com/office/drawing/2010/main" w="9525">
+              <a14:hiddenLine xmlns:a14="http://schemas.microsoft.com/office/drawing/2010/main" xmlns="" w="9525">
                 <a:solidFill>
                   <a:srgbClr val="000000"/>
                 </a:solidFill>
@@ -4074,14 +4074,14 @@
               <ma14:placeholderFlag xmlns:ma14="http://schemas.microsoft.com/office/mac/drawingml/2011/main" val="1"/>
             </a:ext>
             <a:ext uri="{909E8E84-426E-40dd-AFC4-6F175D3DCCD1}">
-              <a14:hiddenFill xmlns="" xmlns:a14="http://schemas.microsoft.com/office/drawing/2010/main">
+              <a14:hiddenFill xmlns:a14="http://schemas.microsoft.com/office/drawing/2010/main" xmlns="">
                 <a:solidFill>
                   <a:srgbClr val="FFFFFF"/>
                 </a:solidFill>
               </a14:hiddenFill>
             </a:ext>
             <a:ext uri="{91240B29-F687-4f45-9708-019B960494DF}">
-              <a14:hiddenLine xmlns="" xmlns:a14="http://schemas.microsoft.com/office/drawing/2010/main" w="9525">
+              <a14:hiddenLine xmlns:a14="http://schemas.microsoft.com/office/drawing/2010/main" xmlns="" w="9525">
                 <a:solidFill>
                   <a:srgbClr val="000000"/>
                 </a:solidFill>
@@ -4186,7 +4186,7 @@
               <a:pPr>
                 <a:defRPr/>
               </a:pPr>
-              <a:t>1/20/16</a:t>
+              <a:t>8/12/16</a:t>
             </a:fld>
             <a:endParaRPr lang="en-US"/>
           </a:p>
@@ -7471,14 +7471,14 @@
           <a:effectLst/>
           <a:extLst>
             <a:ext uri="{909E8E84-426E-40dd-AFC4-6F175D3DCCD1}">
-              <a14:hiddenFill xmlns="" xmlns:a14="http://schemas.microsoft.com/office/drawing/2010/main">
+              <a14:hiddenFill xmlns:a14="http://schemas.microsoft.com/office/drawing/2010/main" xmlns="">
                 <a:solidFill>
                   <a:schemeClr val="accent1"/>
                 </a:solidFill>
               </a14:hiddenFill>
             </a:ext>
             <a:ext uri="{91240B29-F687-4f45-9708-019B960494DF}">
-              <a14:hiddenLine xmlns="" xmlns:a14="http://schemas.microsoft.com/office/drawing/2010/main" w="9525">
+              <a14:hiddenLine xmlns:a14="http://schemas.microsoft.com/office/drawing/2010/main" xmlns="" w="9525">
                 <a:solidFill>
                   <a:schemeClr val="tx1"/>
                 </a:solidFill>
@@ -7488,7 +7488,7 @@
               </a14:hiddenLine>
             </a:ext>
             <a:ext uri="{AF507438-7753-43e0-B8FC-AC1667EBCBE1}">
-              <a14:hiddenEffects xmlns="" xmlns:a14="http://schemas.microsoft.com/office/drawing/2010/main">
+              <a14:hiddenEffects xmlns:a14="http://schemas.microsoft.com/office/drawing/2010/main" xmlns="">
                 <a:effectLst>
                   <a:outerShdw blurRad="63500" dist="38099" dir="2700000" algn="ctr" rotWithShape="0">
                     <a:schemeClr val="bg2">
@@ -7544,14 +7544,14 @@
           <a:effectLst/>
           <a:extLst>
             <a:ext uri="{909E8E84-426E-40dd-AFC4-6F175D3DCCD1}">
-              <a14:hiddenFill xmlns="" xmlns:a14="http://schemas.microsoft.com/office/drawing/2010/main">
+              <a14:hiddenFill xmlns:a14="http://schemas.microsoft.com/office/drawing/2010/main" xmlns="">
                 <a:solidFill>
                   <a:schemeClr val="accent1"/>
                 </a:solidFill>
               </a14:hiddenFill>
             </a:ext>
             <a:ext uri="{91240B29-F687-4f45-9708-019B960494DF}">
-              <a14:hiddenLine xmlns="" xmlns:a14="http://schemas.microsoft.com/office/drawing/2010/main" w="9525">
+              <a14:hiddenLine xmlns:a14="http://schemas.microsoft.com/office/drawing/2010/main" xmlns="" w="9525">
                 <a:solidFill>
                   <a:schemeClr val="tx1"/>
                 </a:solidFill>
@@ -7561,7 +7561,7 @@
               </a14:hiddenLine>
             </a:ext>
             <a:ext uri="{AF507438-7753-43e0-B8FC-AC1667EBCBE1}">
-              <a14:hiddenEffects xmlns="" xmlns:a14="http://schemas.microsoft.com/office/drawing/2010/main">
+              <a14:hiddenEffects xmlns:a14="http://schemas.microsoft.com/office/drawing/2010/main" xmlns="">
                 <a:effectLst>
                   <a:outerShdw blurRad="63500" dist="38099" dir="2700000" algn="ctr" rotWithShape="0">
                     <a:schemeClr val="bg2">
